--- a/Documentations/Softwarearchitektur.pptx
+++ b/Documentations/Softwarearchitektur.pptx
@@ -4578,8 +4578,281 @@
         </p:nvSpPr>
         <p:spPr>
           <a:xfrm>
-            <a:off x="3410712" y="5705856"/>
+            <a:off x="3369576" y="4474284"/>
+            <a:ext cx="7471081" cy="968384"/>
+          </a:xfrm>
+          <a:prstGeom prst="rect">
+            <a:avLst/>
+          </a:prstGeom>
+          <a:solidFill>
+            <a:srgbClr val="FF66CC"/>
+          </a:solidFill>
+          <a:ln>
+            <a:solidFill>
+              <a:schemeClr val="tx1"/>
+            </a:solidFill>
+          </a:ln>
+          <a:scene3d>
+            <a:camera prst="obliqueTopRight">
+              <a:rot lat="0" lon="0" rev="0"/>
+            </a:camera>
+            <a:lightRig rig="threePt" dir="t"/>
+          </a:scene3d>
+        </p:spPr>
+        <p:style>
+          <a:lnRef idx="2">
+            <a:schemeClr val="accent1">
+              <a:shade val="50000"/>
+            </a:schemeClr>
+          </a:lnRef>
+          <a:fillRef idx="1">
+            <a:schemeClr val="accent1"/>
+          </a:fillRef>
+          <a:effectRef idx="0">
+            <a:schemeClr val="accent1"/>
+          </a:effectRef>
+          <a:fontRef idx="minor">
+            <a:schemeClr val="lt1"/>
+          </a:fontRef>
+        </p:style>
+        <p:txBody>
+          <a:bodyPr rtlCol="0" anchor="ctr"/>
+          <a:lstStyle/>
+          <a:p>
+            <a:pPr algn="ctr"/>
+            <a:endParaRPr lang="de-AT"/>
+          </a:p>
+        </p:txBody>
+      </p:sp>
+      <p:sp>
+        <p:nvSpPr>
+          <p:cNvPr id="6" name="Textfeld 5"/>
+          <p:cNvSpPr txBox="1"/>
+          <p:nvPr/>
+        </p:nvSpPr>
+        <p:spPr>
+          <a:xfrm>
+            <a:off x="6131809" y="4430094"/>
+            <a:ext cx="1740424" cy="369332"/>
+          </a:xfrm>
+          <a:prstGeom prst="rect">
+            <a:avLst/>
+          </a:prstGeom>
+          <a:noFill/>
+        </p:spPr>
+        <p:txBody>
+          <a:bodyPr wrap="square" rtlCol="0">
+            <a:spAutoFit/>
+          </a:bodyPr>
+          <a:lstStyle/>
+          <a:p>
+            <a:pPr algn="ctr"/>
+            <a:r>
+              <a:rPr lang="de-AT" dirty="0" err="1"/>
+              <a:t>Audiolayer</a:t>
+            </a:r>
+            <a:endParaRPr lang="de-AT" dirty="0"/>
+          </a:p>
+        </p:txBody>
+      </p:sp>
+      <p:sp>
+        <p:nvSpPr>
+          <p:cNvPr id="11" name="Rechteck 10"/>
+          <p:cNvSpPr/>
+          <p:nvPr/>
+        </p:nvSpPr>
+        <p:spPr>
+          <a:xfrm>
+            <a:off x="5240174" y="3260850"/>
             <a:ext cx="5600483" cy="896111"/>
+          </a:xfrm>
+          <a:prstGeom prst="rect">
+            <a:avLst/>
+          </a:prstGeom>
+          <a:solidFill>
+            <a:srgbClr val="FFFF00"/>
+          </a:solidFill>
+          <a:ln>
+            <a:solidFill>
+              <a:schemeClr val="tx1"/>
+            </a:solidFill>
+          </a:ln>
+          <a:scene3d>
+            <a:camera prst="obliqueTopRight">
+              <a:rot lat="0" lon="0" rev="0"/>
+            </a:camera>
+            <a:lightRig rig="threePt" dir="t"/>
+          </a:scene3d>
+        </p:spPr>
+        <p:style>
+          <a:lnRef idx="2">
+            <a:schemeClr val="accent1">
+              <a:shade val="50000"/>
+            </a:schemeClr>
+          </a:lnRef>
+          <a:fillRef idx="1">
+            <a:schemeClr val="accent1"/>
+          </a:fillRef>
+          <a:effectRef idx="0">
+            <a:schemeClr val="accent1"/>
+          </a:effectRef>
+          <a:fontRef idx="minor">
+            <a:schemeClr val="lt1"/>
+          </a:fontRef>
+        </p:style>
+        <p:txBody>
+          <a:bodyPr rtlCol="0" anchor="ctr"/>
+          <a:lstStyle/>
+          <a:p>
+            <a:pPr algn="ctr"/>
+            <a:endParaRPr lang="de-AT"/>
+          </a:p>
+        </p:txBody>
+      </p:sp>
+      <p:sp>
+        <p:nvSpPr>
+          <p:cNvPr id="13" name="Rechteck 12"/>
+          <p:cNvSpPr/>
+          <p:nvPr/>
+        </p:nvSpPr>
+        <p:spPr>
+          <a:xfrm>
+            <a:off x="2384965" y="914284"/>
+            <a:ext cx="7411086" cy="896111"/>
+          </a:xfrm>
+          <a:prstGeom prst="rect">
+            <a:avLst/>
+          </a:prstGeom>
+          <a:gradFill flip="none" rotWithShape="1">
+            <a:gsLst>
+              <a:gs pos="0">
+                <a:srgbClr val="00B050"/>
+              </a:gs>
+              <a:gs pos="100000">
+                <a:srgbClr val="00B0F0"/>
+              </a:gs>
+            </a:gsLst>
+            <a:lin ang="10800000" scaled="1"/>
+            <a:tileRect/>
+          </a:gradFill>
+          <a:ln>
+            <a:solidFill>
+              <a:schemeClr val="tx1"/>
+            </a:solidFill>
+          </a:ln>
+          <a:scene3d>
+            <a:camera prst="obliqueTopRight">
+              <a:rot lat="0" lon="0" rev="0"/>
+            </a:camera>
+            <a:lightRig rig="threePt" dir="t"/>
+          </a:scene3d>
+        </p:spPr>
+        <p:style>
+          <a:lnRef idx="2">
+            <a:schemeClr val="accent1">
+              <a:shade val="50000"/>
+            </a:schemeClr>
+          </a:lnRef>
+          <a:fillRef idx="1">
+            <a:schemeClr val="accent1"/>
+          </a:fillRef>
+          <a:effectRef idx="0">
+            <a:schemeClr val="accent1"/>
+          </a:effectRef>
+          <a:fontRef idx="minor">
+            <a:schemeClr val="lt1"/>
+          </a:fontRef>
+        </p:style>
+        <p:txBody>
+          <a:bodyPr rtlCol="0" anchor="ctr"/>
+          <a:lstStyle/>
+          <a:p>
+            <a:pPr algn="ctr"/>
+            <a:endParaRPr lang="de-AT"/>
+          </a:p>
+        </p:txBody>
+      </p:sp>
+      <p:sp>
+        <p:nvSpPr>
+          <p:cNvPr id="14" name="Textfeld 13"/>
+          <p:cNvSpPr txBox="1"/>
+          <p:nvPr/>
+        </p:nvSpPr>
+        <p:spPr>
+          <a:xfrm>
+            <a:off x="2395950" y="851701"/>
+            <a:ext cx="7400102" cy="369332"/>
+          </a:xfrm>
+          <a:prstGeom prst="rect">
+            <a:avLst/>
+          </a:prstGeom>
+          <a:noFill/>
+        </p:spPr>
+        <p:txBody>
+          <a:bodyPr wrap="square" rtlCol="0">
+            <a:spAutoFit/>
+          </a:bodyPr>
+          <a:lstStyle/>
+          <a:p>
+            <a:pPr algn="ctr"/>
+            <a:r>
+              <a:rPr lang="de-AT" dirty="0" err="1"/>
+              <a:t>Presentation</a:t>
+            </a:r>
+            <a:r>
+              <a:rPr lang="de-AT" dirty="0"/>
+              <a:t> Layer</a:t>
+            </a:r>
+          </a:p>
+        </p:txBody>
+      </p:sp>
+      <p:cxnSp>
+        <p:nvCxnSpPr>
+          <p:cNvPr id="20" name="Gerade Verbindung mit Pfeil 19"/>
+          <p:cNvCxnSpPr>
+            <a:cxnSpLocks/>
+            <a:stCxn id="44" idx="3"/>
+          </p:cNvCxnSpPr>
+          <p:nvPr/>
+        </p:nvCxnSpPr>
+        <p:spPr>
+          <a:xfrm>
+            <a:off x="4736106" y="3721333"/>
+            <a:ext cx="504068" cy="0"/>
+          </a:xfrm>
+          <a:prstGeom prst="straightConnector1">
+            <a:avLst/>
+          </a:prstGeom>
+          <a:ln>
+            <a:headEnd type="triangle"/>
+            <a:tailEnd type="triangle"/>
+          </a:ln>
+        </p:spPr>
+        <p:style>
+          <a:lnRef idx="1">
+            <a:schemeClr val="dk1"/>
+          </a:lnRef>
+          <a:fillRef idx="0">
+            <a:schemeClr val="dk1"/>
+          </a:fillRef>
+          <a:effectRef idx="0">
+            <a:schemeClr val="dk1"/>
+          </a:effectRef>
+          <a:fontRef idx="minor">
+            <a:schemeClr val="tx1"/>
+          </a:fontRef>
+        </p:style>
+      </p:cxnSp>
+      <p:sp>
+        <p:nvSpPr>
+          <p:cNvPr id="32" name="Rechteck 31"/>
+          <p:cNvSpPr/>
+          <p:nvPr/>
+        </p:nvSpPr>
+        <p:spPr>
+          <a:xfrm>
+            <a:off x="1122760" y="180460"/>
+            <a:ext cx="9959768" cy="428928"/>
           </a:xfrm>
           <a:prstGeom prst="rect">
             <a:avLst/>
@@ -4618,51 +4891,32 @@
           <a:lstStyle/>
           <a:p>
             <a:pPr algn="ctr"/>
-            <a:endParaRPr lang="de-AT"/>
-          </a:p>
-        </p:txBody>
-      </p:sp>
-      <p:sp>
-        <p:nvSpPr>
-          <p:cNvPr id="6" name="Textfeld 5"/>
-          <p:cNvSpPr txBox="1"/>
-          <p:nvPr/>
-        </p:nvSpPr>
-        <p:spPr>
-          <a:xfrm>
-            <a:off x="5340741" y="5705856"/>
-            <a:ext cx="1740424" cy="369332"/>
-          </a:xfrm>
-          <a:prstGeom prst="rect">
-            <a:avLst/>
-          </a:prstGeom>
-          <a:noFill/>
-        </p:spPr>
-        <p:txBody>
-          <a:bodyPr wrap="square" rtlCol="0">
-            <a:spAutoFit/>
-          </a:bodyPr>
-          <a:lstStyle/>
-          <a:p>
-            <a:pPr algn="ctr"/>
-            <a:r>
-              <a:rPr lang="de-AT" dirty="0" err="1"/>
-              <a:t>Audiolayer</a:t>
-            </a:r>
-            <a:endParaRPr lang="de-AT" dirty="0"/>
-          </a:p>
-        </p:txBody>
-      </p:sp>
-      <p:sp>
-        <p:nvSpPr>
-          <p:cNvPr id="9" name="Rechteck 8"/>
+            <a:r>
+              <a:rPr lang="de-AT" sz="2400" b="1" dirty="0">
+                <a:solidFill>
+                  <a:schemeClr val="tx1"/>
+                </a:solidFill>
+              </a:rPr>
+              <a:t>MOVE Architektur</a:t>
+            </a:r>
+            <a:endParaRPr lang="de-AT" b="1" dirty="0">
+              <a:solidFill>
+                <a:schemeClr val="tx1"/>
+              </a:solidFill>
+            </a:endParaRPr>
+          </a:p>
+        </p:txBody>
+      </p:sp>
+      <p:sp>
+        <p:nvSpPr>
+          <p:cNvPr id="2" name="Rechteck 1"/>
           <p:cNvSpPr/>
           <p:nvPr/>
         </p:nvSpPr>
         <p:spPr>
           <a:xfrm>
-            <a:off x="3410712" y="3454434"/>
-            <a:ext cx="5600483" cy="896111"/>
+            <a:off x="2477067" y="1334824"/>
+            <a:ext cx="822960" cy="416950"/>
           </a:xfrm>
           <a:prstGeom prst="rect">
             <a:avLst/>
@@ -4701,50 +4955,27 @@
           <a:lstStyle/>
           <a:p>
             <a:pPr algn="ctr"/>
-            <a:endParaRPr lang="de-AT"/>
-          </a:p>
-        </p:txBody>
-      </p:sp>
-      <p:sp>
-        <p:nvSpPr>
-          <p:cNvPr id="10" name="Textfeld 9"/>
-          <p:cNvSpPr txBox="1"/>
-          <p:nvPr/>
-        </p:nvSpPr>
-        <p:spPr>
-          <a:xfrm>
-            <a:off x="5340741" y="3439719"/>
-            <a:ext cx="1740424" cy="369332"/>
-          </a:xfrm>
-          <a:prstGeom prst="rect">
-            <a:avLst/>
-          </a:prstGeom>
-          <a:noFill/>
-        </p:spPr>
-        <p:txBody>
-          <a:bodyPr wrap="square" rtlCol="0">
-            <a:spAutoFit/>
-          </a:bodyPr>
-          <a:lstStyle/>
-          <a:p>
-            <a:pPr algn="ctr"/>
-            <a:r>
-              <a:rPr lang="de-AT"/>
-              <a:t>Player Engine</a:t>
-            </a:r>
-          </a:p>
-        </p:txBody>
-      </p:sp>
-      <p:sp>
-        <p:nvSpPr>
-          <p:cNvPr id="11" name="Rechteck 10"/>
+            <a:r>
+              <a:rPr lang="de-AT">
+                <a:solidFill>
+                  <a:schemeClr val="tx1"/>
+                </a:solidFill>
+              </a:rPr>
+              <a:t>Forms</a:t>
+            </a:r>
+          </a:p>
+        </p:txBody>
+      </p:sp>
+      <p:sp>
+        <p:nvSpPr>
+          <p:cNvPr id="21" name="Rechteck 20"/>
           <p:cNvSpPr/>
           <p:nvPr/>
         </p:nvSpPr>
         <p:spPr>
           <a:xfrm>
-            <a:off x="3410712" y="2319580"/>
-            <a:ext cx="5600483" cy="896111"/>
+            <a:off x="3391467" y="1334409"/>
+            <a:ext cx="822960" cy="416950"/>
           </a:xfrm>
           <a:prstGeom prst="rect">
             <a:avLst/>
@@ -4783,50 +5014,27 @@
           <a:lstStyle/>
           <a:p>
             <a:pPr algn="ctr"/>
-            <a:endParaRPr lang="de-AT"/>
-          </a:p>
-        </p:txBody>
-      </p:sp>
-      <p:sp>
-        <p:nvSpPr>
-          <p:cNvPr id="12" name="Textfeld 11"/>
-          <p:cNvSpPr txBox="1"/>
-          <p:nvPr/>
-        </p:nvSpPr>
-        <p:spPr>
-          <a:xfrm>
-            <a:off x="5340741" y="2343489"/>
-            <a:ext cx="1740424" cy="369332"/>
-          </a:xfrm>
-          <a:prstGeom prst="rect">
-            <a:avLst/>
-          </a:prstGeom>
-          <a:noFill/>
-        </p:spPr>
-        <p:txBody>
-          <a:bodyPr wrap="square" rtlCol="0">
-            <a:spAutoFit/>
-          </a:bodyPr>
-          <a:lstStyle/>
-          <a:p>
-            <a:pPr algn="ctr"/>
-            <a:r>
-              <a:rPr lang="de-AT"/>
-              <a:t>EventSender</a:t>
-            </a:r>
-          </a:p>
-        </p:txBody>
-      </p:sp>
-      <p:sp>
-        <p:nvSpPr>
-          <p:cNvPr id="13" name="Rechteck 12"/>
+            <a:r>
+              <a:rPr lang="de-AT" dirty="0">
+                <a:solidFill>
+                  <a:schemeClr val="tx1"/>
+                </a:solidFill>
+              </a:rPr>
+              <a:t>WPF</a:t>
+            </a:r>
+          </a:p>
+        </p:txBody>
+      </p:sp>
+      <p:sp>
+        <p:nvSpPr>
+          <p:cNvPr id="24" name="Rechteck 23"/>
           <p:cNvSpPr/>
           <p:nvPr/>
         </p:nvSpPr>
         <p:spPr>
           <a:xfrm>
-            <a:off x="3410712" y="1207111"/>
-            <a:ext cx="7411086" cy="896111"/>
+            <a:off x="7115176" y="3657429"/>
+            <a:ext cx="1536854" cy="416950"/>
           </a:xfrm>
           <a:prstGeom prst="rect">
             <a:avLst/>
@@ -4865,54 +5073,27 @@
           <a:lstStyle/>
           <a:p>
             <a:pPr algn="ctr"/>
-            <a:endParaRPr lang="de-AT"/>
-          </a:p>
-        </p:txBody>
-      </p:sp>
-      <p:sp>
-        <p:nvSpPr>
-          <p:cNvPr id="14" name="Textfeld 13"/>
-          <p:cNvSpPr txBox="1"/>
-          <p:nvPr/>
-        </p:nvSpPr>
-        <p:spPr>
-          <a:xfrm>
-            <a:off x="5223723" y="1261974"/>
-            <a:ext cx="1974459" cy="369332"/>
-          </a:xfrm>
-          <a:prstGeom prst="rect">
-            <a:avLst/>
-          </a:prstGeom>
-          <a:noFill/>
-        </p:spPr>
-        <p:txBody>
-          <a:bodyPr wrap="square" rtlCol="0">
-            <a:spAutoFit/>
-          </a:bodyPr>
-          <a:lstStyle/>
-          <a:p>
-            <a:pPr algn="ctr"/>
-            <a:r>
-              <a:rPr lang="de-AT" dirty="0" err="1"/>
-              <a:t>Presentation</a:t>
-            </a:r>
-            <a:r>
-              <a:rPr lang="de-AT" dirty="0"/>
-              <a:t> Layer</a:t>
-            </a:r>
-          </a:p>
-        </p:txBody>
-      </p:sp>
-      <p:sp>
-        <p:nvSpPr>
-          <p:cNvPr id="17" name="Rechteck 16"/>
+            <a:r>
+              <a:rPr lang="de-AT" dirty="0">
+                <a:solidFill>
+                  <a:schemeClr val="tx1"/>
+                </a:solidFill>
+              </a:rPr>
+              <a:t>Client/Server</a:t>
+            </a:r>
+          </a:p>
+        </p:txBody>
+      </p:sp>
+      <p:sp>
+        <p:nvSpPr>
+          <p:cNvPr id="33" name="Rechteck 32"/>
           <p:cNvSpPr/>
           <p:nvPr/>
         </p:nvSpPr>
         <p:spPr>
           <a:xfrm>
-            <a:off x="1122760" y="2319579"/>
-            <a:ext cx="1958123" cy="896111"/>
+            <a:off x="8710639" y="1318108"/>
+            <a:ext cx="987552" cy="416950"/>
           </a:xfrm>
           <a:prstGeom prst="rect">
             <a:avLst/>
@@ -4952,12 +5133,312 @@
           <a:p>
             <a:pPr algn="ctr"/>
             <a:r>
-              <a:rPr lang="de-AT" dirty="0" err="1">
+              <a:rPr lang="de-AT" dirty="0">
                 <a:solidFill>
                   <a:schemeClr val="tx1"/>
                 </a:solidFill>
               </a:rPr>
-              <a:t>Errorlogwriter</a:t>
+              <a:t>Logik</a:t>
+            </a:r>
+          </a:p>
+        </p:txBody>
+      </p:sp>
+      <p:sp>
+        <p:nvSpPr>
+          <p:cNvPr id="34" name="Rechteck 33"/>
+          <p:cNvSpPr/>
+          <p:nvPr/>
+        </p:nvSpPr>
+        <p:spPr>
+          <a:xfrm>
+            <a:off x="7634592" y="1318108"/>
+            <a:ext cx="987552" cy="416950"/>
+          </a:xfrm>
+          <a:prstGeom prst="rect">
+            <a:avLst/>
+          </a:prstGeom>
+          <a:noFill/>
+          <a:ln>
+            <a:solidFill>
+              <a:schemeClr val="tx1"/>
+            </a:solidFill>
+          </a:ln>
+          <a:scene3d>
+            <a:camera prst="obliqueTopRight">
+              <a:rot lat="0" lon="0" rev="0"/>
+            </a:camera>
+            <a:lightRig rig="threePt" dir="t"/>
+          </a:scene3d>
+        </p:spPr>
+        <p:style>
+          <a:lnRef idx="2">
+            <a:schemeClr val="accent1">
+              <a:shade val="50000"/>
+            </a:schemeClr>
+          </a:lnRef>
+          <a:fillRef idx="1">
+            <a:schemeClr val="accent1"/>
+          </a:fillRef>
+          <a:effectRef idx="0">
+            <a:schemeClr val="accent1"/>
+          </a:effectRef>
+          <a:fontRef idx="minor">
+            <a:schemeClr val="lt1"/>
+          </a:fontRef>
+        </p:style>
+        <p:txBody>
+          <a:bodyPr rtlCol="0" anchor="ctr"/>
+          <a:lstStyle/>
+          <a:p>
+            <a:pPr algn="ctr"/>
+            <a:r>
+              <a:rPr lang="de-AT" dirty="0">
+                <a:solidFill>
+                  <a:schemeClr val="tx1"/>
+                </a:solidFill>
+              </a:rPr>
+              <a:t>Glättung</a:t>
+            </a:r>
+          </a:p>
+        </p:txBody>
+      </p:sp>
+      <p:sp>
+        <p:nvSpPr>
+          <p:cNvPr id="35" name="Rechteck 34"/>
+          <p:cNvSpPr/>
+          <p:nvPr/>
+        </p:nvSpPr>
+        <p:spPr>
+          <a:xfrm>
+            <a:off x="5482498" y="1323536"/>
+            <a:ext cx="987552" cy="416950"/>
+          </a:xfrm>
+          <a:prstGeom prst="rect">
+            <a:avLst/>
+          </a:prstGeom>
+          <a:noFill/>
+          <a:ln>
+            <a:solidFill>
+              <a:schemeClr val="tx1"/>
+            </a:solidFill>
+          </a:ln>
+          <a:scene3d>
+            <a:camera prst="obliqueTopRight">
+              <a:rot lat="0" lon="0" rev="0"/>
+            </a:camera>
+            <a:lightRig rig="threePt" dir="t"/>
+          </a:scene3d>
+        </p:spPr>
+        <p:style>
+          <a:lnRef idx="2">
+            <a:schemeClr val="accent1">
+              <a:shade val="50000"/>
+            </a:schemeClr>
+          </a:lnRef>
+          <a:fillRef idx="1">
+            <a:schemeClr val="accent1"/>
+          </a:fillRef>
+          <a:effectRef idx="0">
+            <a:schemeClr val="accent1"/>
+          </a:effectRef>
+          <a:fontRef idx="minor">
+            <a:schemeClr val="lt1"/>
+          </a:fontRef>
+        </p:style>
+        <p:txBody>
+          <a:bodyPr rtlCol="0" anchor="ctr"/>
+          <a:lstStyle/>
+          <a:p>
+            <a:pPr algn="ctr"/>
+            <a:r>
+              <a:rPr lang="de-AT" dirty="0">
+                <a:solidFill>
+                  <a:schemeClr val="tx1"/>
+                </a:solidFill>
+              </a:rPr>
+              <a:t>Tasten</a:t>
+            </a:r>
+          </a:p>
+        </p:txBody>
+      </p:sp>
+      <p:sp>
+        <p:nvSpPr>
+          <p:cNvPr id="36" name="Rechteck 35"/>
+          <p:cNvSpPr/>
+          <p:nvPr/>
+        </p:nvSpPr>
+        <p:spPr>
+          <a:xfrm>
+            <a:off x="4305867" y="1334353"/>
+            <a:ext cx="1088136" cy="416950"/>
+          </a:xfrm>
+          <a:prstGeom prst="rect">
+            <a:avLst/>
+          </a:prstGeom>
+          <a:noFill/>
+          <a:ln>
+            <a:solidFill>
+              <a:schemeClr val="tx1"/>
+            </a:solidFill>
+          </a:ln>
+          <a:scene3d>
+            <a:camera prst="obliqueTopRight">
+              <a:rot lat="0" lon="0" rev="0"/>
+            </a:camera>
+            <a:lightRig rig="threePt" dir="t"/>
+          </a:scene3d>
+        </p:spPr>
+        <p:style>
+          <a:lnRef idx="2">
+            <a:schemeClr val="accent1">
+              <a:shade val="50000"/>
+            </a:schemeClr>
+          </a:lnRef>
+          <a:fillRef idx="1">
+            <a:schemeClr val="accent1"/>
+          </a:fillRef>
+          <a:effectRef idx="0">
+            <a:schemeClr val="accent1"/>
+          </a:effectRef>
+          <a:fontRef idx="minor">
+            <a:schemeClr val="lt1"/>
+          </a:fontRef>
+        </p:style>
+        <p:txBody>
+          <a:bodyPr rtlCol="0" anchor="ctr"/>
+          <a:lstStyle/>
+          <a:p>
+            <a:pPr algn="ctr"/>
+            <a:r>
+              <a:rPr lang="de-AT" dirty="0">
+                <a:solidFill>
+                  <a:schemeClr val="tx1"/>
+                </a:solidFill>
+              </a:rPr>
+              <a:t>Sprache</a:t>
+            </a:r>
+          </a:p>
+        </p:txBody>
+      </p:sp>
+      <p:sp>
+        <p:nvSpPr>
+          <p:cNvPr id="37" name="Rechteck 36"/>
+          <p:cNvSpPr/>
+          <p:nvPr/>
+        </p:nvSpPr>
+        <p:spPr>
+          <a:xfrm>
+            <a:off x="6558545" y="1322134"/>
+            <a:ext cx="987552" cy="416950"/>
+          </a:xfrm>
+          <a:prstGeom prst="rect">
+            <a:avLst/>
+          </a:prstGeom>
+          <a:noFill/>
+          <a:ln>
+            <a:solidFill>
+              <a:schemeClr val="tx1"/>
+            </a:solidFill>
+          </a:ln>
+          <a:scene3d>
+            <a:camera prst="obliqueTopRight">
+              <a:rot lat="0" lon="0" rev="0"/>
+            </a:camera>
+            <a:lightRig rig="threePt" dir="t"/>
+          </a:scene3d>
+        </p:spPr>
+        <p:style>
+          <a:lnRef idx="2">
+            <a:schemeClr val="accent1">
+              <a:shade val="50000"/>
+            </a:schemeClr>
+          </a:lnRef>
+          <a:fillRef idx="1">
+            <a:schemeClr val="accent1"/>
+          </a:fillRef>
+          <a:effectRef idx="0">
+            <a:schemeClr val="accent1"/>
+          </a:effectRef>
+          <a:fontRef idx="minor">
+            <a:schemeClr val="lt1"/>
+          </a:fontRef>
+        </p:style>
+        <p:txBody>
+          <a:bodyPr rtlCol="0" anchor="ctr"/>
+          <a:lstStyle/>
+          <a:p>
+            <a:pPr algn="ctr"/>
+            <a:r>
+              <a:rPr lang="de-AT" sz="1400">
+                <a:solidFill>
+                  <a:schemeClr val="tx1"/>
+                </a:solidFill>
+              </a:rPr>
+              <a:t>Lautstärke</a:t>
+            </a:r>
+            <a:endParaRPr lang="de-AT">
+              <a:solidFill>
+                <a:schemeClr val="tx1"/>
+              </a:solidFill>
+            </a:endParaRPr>
+          </a:p>
+        </p:txBody>
+      </p:sp>
+      <p:sp>
+        <p:nvSpPr>
+          <p:cNvPr id="38" name="Rechteck 37"/>
+          <p:cNvSpPr/>
+          <p:nvPr/>
+        </p:nvSpPr>
+        <p:spPr>
+          <a:xfrm>
+            <a:off x="6282168" y="4961430"/>
+            <a:ext cx="1455742" cy="416950"/>
+          </a:xfrm>
+          <a:prstGeom prst="rect">
+            <a:avLst/>
+          </a:prstGeom>
+          <a:noFill/>
+          <a:ln>
+            <a:solidFill>
+              <a:schemeClr val="tx1"/>
+            </a:solidFill>
+          </a:ln>
+          <a:scene3d>
+            <a:camera prst="obliqueTopRight">
+              <a:rot lat="0" lon="0" rev="0"/>
+            </a:camera>
+            <a:lightRig rig="threePt" dir="t"/>
+          </a:scene3d>
+        </p:spPr>
+        <p:style>
+          <a:lnRef idx="2">
+            <a:schemeClr val="accent1">
+              <a:shade val="50000"/>
+            </a:schemeClr>
+          </a:lnRef>
+          <a:fillRef idx="1">
+            <a:schemeClr val="accent1"/>
+          </a:fillRef>
+          <a:effectRef idx="0">
+            <a:schemeClr val="accent1"/>
+          </a:effectRef>
+          <a:fontRef idx="minor">
+            <a:schemeClr val="lt1"/>
+          </a:fontRef>
+        </p:style>
+        <p:txBody>
+          <a:bodyPr rtlCol="0" anchor="ctr"/>
+          <a:lstStyle/>
+          <a:p>
+            <a:pPr algn="ctr"/>
+            <a:r>
+              <a:rPr lang="de-AT" sz="1600" dirty="0">
+                <a:solidFill>
+                  <a:schemeClr val="tx1"/>
+                </a:solidFill>
+              </a:rPr>
+              <a:t>Frequenzinput</a:t>
             </a:r>
             <a:endParaRPr lang="de-AT" dirty="0">
               <a:solidFill>
@@ -4969,17 +5450,18 @@
       </p:sp>
       <p:cxnSp>
         <p:nvCxnSpPr>
-          <p:cNvPr id="20" name="Gerade Verbindung mit Pfeil 19"/>
+          <p:cNvPr id="4" name="Gerade Verbindung mit Pfeil 3"/>
           <p:cNvCxnSpPr>
-            <a:stCxn id="17" idx="3"/>
-            <a:endCxn id="11" idx="1"/>
+            <a:cxnSpLocks/>
+            <a:stCxn id="41" idx="0"/>
+            <a:endCxn id="13" idx="2"/>
           </p:cNvCxnSpPr>
           <p:nvPr/>
         </p:nvCxnSpPr>
         <p:spPr>
-          <a:xfrm>
-            <a:off x="3080883" y="2767635"/>
-            <a:ext cx="329829" cy="1"/>
+          <a:xfrm flipH="1" flipV="1">
+            <a:off x="6090508" y="1810395"/>
+            <a:ext cx="1691310" cy="1389592"/>
           </a:xfrm>
           <a:prstGeom prst="straightConnector1">
             <a:avLst/>
@@ -5006,740 +5488,58 @@
       </p:cxnSp>
       <p:sp>
         <p:nvSpPr>
-          <p:cNvPr id="32" name="Rechteck 31"/>
-          <p:cNvSpPr/>
+          <p:cNvPr id="41" name="Textfeld 40">
+            <a:extLst>
+              <a:ext uri="{FF2B5EF4-FFF2-40B4-BE49-F238E27FC236}">
+                <a16:creationId xmlns:a16="http://schemas.microsoft.com/office/drawing/2014/main" id="{7EF54567-6D98-4623-9481-383445764276}"/>
+              </a:ext>
+            </a:extLst>
+          </p:cNvPr>
+          <p:cNvSpPr txBox="1"/>
           <p:nvPr/>
         </p:nvSpPr>
         <p:spPr>
           <a:xfrm>
-            <a:off x="1122760" y="180460"/>
-            <a:ext cx="9959768" cy="428928"/>
+            <a:off x="6911606" y="3199987"/>
+            <a:ext cx="1740424" cy="369332"/>
           </a:xfrm>
           <a:prstGeom prst="rect">
             <a:avLst/>
           </a:prstGeom>
           <a:noFill/>
-          <a:ln>
-            <a:solidFill>
-              <a:schemeClr val="tx1"/>
-            </a:solidFill>
-          </a:ln>
-          <a:scene3d>
-            <a:camera prst="obliqueTopRight">
-              <a:rot lat="0" lon="0" rev="0"/>
-            </a:camera>
-            <a:lightRig rig="threePt" dir="t"/>
-          </a:scene3d>
-        </p:spPr>
-        <p:style>
-          <a:lnRef idx="2">
-            <a:schemeClr val="accent1">
-              <a:shade val="50000"/>
-            </a:schemeClr>
-          </a:lnRef>
-          <a:fillRef idx="1">
-            <a:schemeClr val="accent1"/>
-          </a:fillRef>
-          <a:effectRef idx="0">
-            <a:schemeClr val="accent1"/>
-          </a:effectRef>
-          <a:fontRef idx="minor">
-            <a:schemeClr val="lt1"/>
-          </a:fontRef>
-        </p:style>
-        <p:txBody>
-          <a:bodyPr rtlCol="0" anchor="ctr"/>
+        </p:spPr>
+        <p:txBody>
+          <a:bodyPr wrap="square" rtlCol="0">
+            <a:spAutoFit/>
+          </a:bodyPr>
           <a:lstStyle/>
           <a:p>
             <a:pPr algn="ctr"/>
             <a:r>
-              <a:rPr lang="de-AT" sz="2400" b="1">
-                <a:solidFill>
-                  <a:schemeClr val="tx1"/>
-                </a:solidFill>
-              </a:rPr>
-              <a:t>Architektur</a:t>
-            </a:r>
-            <a:endParaRPr lang="de-AT" b="1">
-              <a:solidFill>
-                <a:schemeClr val="tx1"/>
-              </a:solidFill>
-            </a:endParaRPr>
-          </a:p>
-        </p:txBody>
-      </p:sp>
-      <p:sp>
-        <p:nvSpPr>
-          <p:cNvPr id="2" name="Rechteck 1"/>
-          <p:cNvSpPr/>
-          <p:nvPr/>
-        </p:nvSpPr>
-        <p:spPr>
-          <a:xfrm>
-            <a:off x="3502814" y="1627651"/>
-            <a:ext cx="822960" cy="416950"/>
-          </a:xfrm>
-          <a:prstGeom prst="rect">
-            <a:avLst/>
-          </a:prstGeom>
-          <a:noFill/>
-          <a:ln>
-            <a:solidFill>
-              <a:schemeClr val="tx1"/>
-            </a:solidFill>
-          </a:ln>
-          <a:scene3d>
-            <a:camera prst="obliqueTopRight">
-              <a:rot lat="0" lon="0" rev="0"/>
-            </a:camera>
-            <a:lightRig rig="threePt" dir="t"/>
-          </a:scene3d>
-        </p:spPr>
-        <p:style>
-          <a:lnRef idx="2">
-            <a:schemeClr val="accent1">
-              <a:shade val="50000"/>
-            </a:schemeClr>
-          </a:lnRef>
-          <a:fillRef idx="1">
-            <a:schemeClr val="accent1"/>
-          </a:fillRef>
-          <a:effectRef idx="0">
-            <a:schemeClr val="accent1"/>
-          </a:effectRef>
-          <a:fontRef idx="minor">
-            <a:schemeClr val="lt1"/>
-          </a:fontRef>
-        </p:style>
-        <p:txBody>
-          <a:bodyPr rtlCol="0" anchor="ctr"/>
-          <a:lstStyle/>
-          <a:p>
-            <a:pPr algn="ctr"/>
-            <a:r>
-              <a:rPr lang="de-AT">
-                <a:solidFill>
-                  <a:schemeClr val="tx1"/>
-                </a:solidFill>
-              </a:rPr>
-              <a:t>Forms</a:t>
-            </a:r>
-          </a:p>
-        </p:txBody>
-      </p:sp>
-      <p:sp>
-        <p:nvSpPr>
-          <p:cNvPr id="21" name="Rechteck 20"/>
-          <p:cNvSpPr/>
-          <p:nvPr/>
-        </p:nvSpPr>
-        <p:spPr>
-          <a:xfrm>
-            <a:off x="4417214" y="1627236"/>
-            <a:ext cx="822960" cy="416950"/>
-          </a:xfrm>
-          <a:prstGeom prst="rect">
-            <a:avLst/>
-          </a:prstGeom>
-          <a:noFill/>
-          <a:ln>
-            <a:solidFill>
-              <a:schemeClr val="tx1"/>
-            </a:solidFill>
-          </a:ln>
-          <a:scene3d>
-            <a:camera prst="obliqueTopRight">
-              <a:rot lat="0" lon="0" rev="0"/>
-            </a:camera>
-            <a:lightRig rig="threePt" dir="t"/>
-          </a:scene3d>
-        </p:spPr>
-        <p:style>
-          <a:lnRef idx="2">
-            <a:schemeClr val="accent1">
-              <a:shade val="50000"/>
-            </a:schemeClr>
-          </a:lnRef>
-          <a:fillRef idx="1">
-            <a:schemeClr val="accent1"/>
-          </a:fillRef>
-          <a:effectRef idx="0">
-            <a:schemeClr val="accent1"/>
-          </a:effectRef>
-          <a:fontRef idx="minor">
-            <a:schemeClr val="lt1"/>
-          </a:fontRef>
-        </p:style>
-        <p:txBody>
-          <a:bodyPr rtlCol="0" anchor="ctr"/>
-          <a:lstStyle/>
-          <a:p>
-            <a:pPr algn="ctr"/>
-            <a:r>
-              <a:rPr lang="de-AT" dirty="0">
-                <a:solidFill>
-                  <a:schemeClr val="tx1"/>
-                </a:solidFill>
-              </a:rPr>
-              <a:t>WPF</a:t>
-            </a:r>
-          </a:p>
-        </p:txBody>
-      </p:sp>
-      <p:sp>
-        <p:nvSpPr>
-          <p:cNvPr id="24" name="Rechteck 23"/>
-          <p:cNvSpPr/>
-          <p:nvPr/>
-        </p:nvSpPr>
-        <p:spPr>
-          <a:xfrm>
-            <a:off x="3502152" y="2742666"/>
-            <a:ext cx="1536854" cy="416950"/>
-          </a:xfrm>
-          <a:prstGeom prst="rect">
-            <a:avLst/>
-          </a:prstGeom>
-          <a:noFill/>
-          <a:ln>
-            <a:solidFill>
-              <a:schemeClr val="tx1"/>
-            </a:solidFill>
-          </a:ln>
-          <a:scene3d>
-            <a:camera prst="obliqueTopRight">
-              <a:rot lat="0" lon="0" rev="0"/>
-            </a:camera>
-            <a:lightRig rig="threePt" dir="t"/>
-          </a:scene3d>
-        </p:spPr>
-        <p:style>
-          <a:lnRef idx="2">
-            <a:schemeClr val="accent1">
-              <a:shade val="50000"/>
-            </a:schemeClr>
-          </a:lnRef>
-          <a:fillRef idx="1">
-            <a:schemeClr val="accent1"/>
-          </a:fillRef>
-          <a:effectRef idx="0">
-            <a:schemeClr val="accent1"/>
-          </a:effectRef>
-          <a:fontRef idx="minor">
-            <a:schemeClr val="lt1"/>
-          </a:fontRef>
-        </p:style>
-        <p:txBody>
-          <a:bodyPr rtlCol="0" anchor="ctr"/>
-          <a:lstStyle/>
-          <a:p>
-            <a:pPr algn="ctr"/>
-            <a:r>
-              <a:rPr lang="de-AT">
-                <a:solidFill>
-                  <a:schemeClr val="tx1"/>
-                </a:solidFill>
-              </a:rPr>
-              <a:t>Client/Server</a:t>
-            </a:r>
-          </a:p>
-        </p:txBody>
-      </p:sp>
-      <p:sp>
-        <p:nvSpPr>
-          <p:cNvPr id="30" name="Rechteck 29"/>
-          <p:cNvSpPr/>
-          <p:nvPr/>
-        </p:nvSpPr>
-        <p:spPr>
-          <a:xfrm>
-            <a:off x="3502152" y="3842842"/>
-            <a:ext cx="987552" cy="416950"/>
-          </a:xfrm>
-          <a:prstGeom prst="rect">
-            <a:avLst/>
-          </a:prstGeom>
-          <a:noFill/>
-          <a:ln>
-            <a:solidFill>
-              <a:schemeClr val="tx1"/>
-            </a:solidFill>
-          </a:ln>
-          <a:scene3d>
-            <a:camera prst="obliqueTopRight">
-              <a:rot lat="0" lon="0" rev="0"/>
-            </a:camera>
-            <a:lightRig rig="threePt" dir="t"/>
-          </a:scene3d>
-        </p:spPr>
-        <p:style>
-          <a:lnRef idx="2">
-            <a:schemeClr val="accent1">
-              <a:shade val="50000"/>
-            </a:schemeClr>
-          </a:lnRef>
-          <a:fillRef idx="1">
-            <a:schemeClr val="accent1"/>
-          </a:fillRef>
-          <a:effectRef idx="0">
-            <a:schemeClr val="accent1"/>
-          </a:effectRef>
-          <a:fontRef idx="minor">
-            <a:schemeClr val="lt1"/>
-          </a:fontRef>
-        </p:style>
-        <p:txBody>
-          <a:bodyPr rtlCol="0" anchor="ctr"/>
-          <a:lstStyle/>
-          <a:p>
-            <a:pPr algn="ctr"/>
-            <a:r>
-              <a:rPr lang="de-AT" dirty="0">
-                <a:solidFill>
-                  <a:schemeClr val="tx1"/>
-                </a:solidFill>
-              </a:rPr>
-              <a:t>Statistik</a:t>
-            </a:r>
-          </a:p>
-        </p:txBody>
-      </p:sp>
-      <p:sp>
-        <p:nvSpPr>
-          <p:cNvPr id="31" name="Rechteck 30"/>
-          <p:cNvSpPr/>
-          <p:nvPr/>
-        </p:nvSpPr>
-        <p:spPr>
-          <a:xfrm>
-            <a:off x="4581144" y="3842842"/>
-            <a:ext cx="1088136" cy="416950"/>
-          </a:xfrm>
-          <a:prstGeom prst="rect">
-            <a:avLst/>
-          </a:prstGeom>
-          <a:noFill/>
-          <a:ln>
-            <a:solidFill>
-              <a:schemeClr val="tx1"/>
-            </a:solidFill>
-          </a:ln>
-          <a:scene3d>
-            <a:camera prst="obliqueTopRight">
-              <a:rot lat="0" lon="0" rev="0"/>
-            </a:camera>
-            <a:lightRig rig="threePt" dir="t"/>
-          </a:scene3d>
-        </p:spPr>
-        <p:style>
-          <a:lnRef idx="2">
-            <a:schemeClr val="accent1">
-              <a:shade val="50000"/>
-            </a:schemeClr>
-          </a:lnRef>
-          <a:fillRef idx="1">
-            <a:schemeClr val="accent1"/>
-          </a:fillRef>
-          <a:effectRef idx="0">
-            <a:schemeClr val="accent1"/>
-          </a:effectRef>
-          <a:fontRef idx="minor">
-            <a:schemeClr val="lt1"/>
-          </a:fontRef>
-        </p:style>
-        <p:txBody>
-          <a:bodyPr rtlCol="0" anchor="ctr"/>
-          <a:lstStyle/>
-          <a:p>
-            <a:pPr algn="ctr"/>
-            <a:r>
-              <a:rPr lang="de-AT" sz="1400">
-                <a:solidFill>
-                  <a:schemeClr val="tx1"/>
-                </a:solidFill>
-              </a:rPr>
-              <a:t>Koordinaten berechnen</a:t>
-            </a:r>
-          </a:p>
-        </p:txBody>
-      </p:sp>
-      <p:sp>
-        <p:nvSpPr>
-          <p:cNvPr id="33" name="Rechteck 32"/>
-          <p:cNvSpPr/>
-          <p:nvPr/>
-        </p:nvSpPr>
-        <p:spPr>
-          <a:xfrm>
-            <a:off x="9736386" y="1610935"/>
-            <a:ext cx="987552" cy="416950"/>
-          </a:xfrm>
-          <a:prstGeom prst="rect">
-            <a:avLst/>
-          </a:prstGeom>
-          <a:noFill/>
-          <a:ln>
-            <a:solidFill>
-              <a:schemeClr val="tx1"/>
-            </a:solidFill>
-          </a:ln>
-          <a:scene3d>
-            <a:camera prst="obliqueTopRight">
-              <a:rot lat="0" lon="0" rev="0"/>
-            </a:camera>
-            <a:lightRig rig="threePt" dir="t"/>
-          </a:scene3d>
-        </p:spPr>
-        <p:style>
-          <a:lnRef idx="2">
-            <a:schemeClr val="accent1">
-              <a:shade val="50000"/>
-            </a:schemeClr>
-          </a:lnRef>
-          <a:fillRef idx="1">
-            <a:schemeClr val="accent1"/>
-          </a:fillRef>
-          <a:effectRef idx="0">
-            <a:schemeClr val="accent1"/>
-          </a:effectRef>
-          <a:fontRef idx="minor">
-            <a:schemeClr val="lt1"/>
-          </a:fontRef>
-        </p:style>
-        <p:txBody>
-          <a:bodyPr rtlCol="0" anchor="ctr"/>
-          <a:lstStyle/>
-          <a:p>
-            <a:pPr algn="ctr"/>
-            <a:r>
-              <a:rPr lang="de-AT">
-                <a:solidFill>
-                  <a:schemeClr val="tx1"/>
-                </a:solidFill>
-              </a:rPr>
-              <a:t>Logik</a:t>
-            </a:r>
-          </a:p>
-        </p:txBody>
-      </p:sp>
-      <p:sp>
-        <p:nvSpPr>
-          <p:cNvPr id="34" name="Rechteck 33"/>
-          <p:cNvSpPr/>
-          <p:nvPr/>
-        </p:nvSpPr>
-        <p:spPr>
-          <a:xfrm>
-            <a:off x="8660339" y="1610935"/>
-            <a:ext cx="987552" cy="416950"/>
-          </a:xfrm>
-          <a:prstGeom prst="rect">
-            <a:avLst/>
-          </a:prstGeom>
-          <a:noFill/>
-          <a:ln>
-            <a:solidFill>
-              <a:schemeClr val="tx1"/>
-            </a:solidFill>
-          </a:ln>
-          <a:scene3d>
-            <a:camera prst="obliqueTopRight">
-              <a:rot lat="0" lon="0" rev="0"/>
-            </a:camera>
-            <a:lightRig rig="threePt" dir="t"/>
-          </a:scene3d>
-        </p:spPr>
-        <p:style>
-          <a:lnRef idx="2">
-            <a:schemeClr val="accent1">
-              <a:shade val="50000"/>
-            </a:schemeClr>
-          </a:lnRef>
-          <a:fillRef idx="1">
-            <a:schemeClr val="accent1"/>
-          </a:fillRef>
-          <a:effectRef idx="0">
-            <a:schemeClr val="accent1"/>
-          </a:effectRef>
-          <a:fontRef idx="minor">
-            <a:schemeClr val="lt1"/>
-          </a:fontRef>
-        </p:style>
-        <p:txBody>
-          <a:bodyPr rtlCol="0" anchor="ctr"/>
-          <a:lstStyle/>
-          <a:p>
-            <a:pPr algn="ctr"/>
-            <a:r>
-              <a:rPr lang="de-AT" dirty="0">
-                <a:solidFill>
-                  <a:schemeClr val="tx1"/>
-                </a:solidFill>
-              </a:rPr>
-              <a:t>Glättung</a:t>
-            </a:r>
-          </a:p>
-        </p:txBody>
-      </p:sp>
-      <p:sp>
-        <p:nvSpPr>
-          <p:cNvPr id="35" name="Rechteck 34"/>
-          <p:cNvSpPr/>
-          <p:nvPr/>
-        </p:nvSpPr>
-        <p:spPr>
-          <a:xfrm>
-            <a:off x="6508245" y="1616363"/>
-            <a:ext cx="987552" cy="416950"/>
-          </a:xfrm>
-          <a:prstGeom prst="rect">
-            <a:avLst/>
-          </a:prstGeom>
-          <a:noFill/>
-          <a:ln>
-            <a:solidFill>
-              <a:schemeClr val="tx1"/>
-            </a:solidFill>
-          </a:ln>
-          <a:scene3d>
-            <a:camera prst="obliqueTopRight">
-              <a:rot lat="0" lon="0" rev="0"/>
-            </a:camera>
-            <a:lightRig rig="threePt" dir="t"/>
-          </a:scene3d>
-        </p:spPr>
-        <p:style>
-          <a:lnRef idx="2">
-            <a:schemeClr val="accent1">
-              <a:shade val="50000"/>
-            </a:schemeClr>
-          </a:lnRef>
-          <a:fillRef idx="1">
-            <a:schemeClr val="accent1"/>
-          </a:fillRef>
-          <a:effectRef idx="0">
-            <a:schemeClr val="accent1"/>
-          </a:effectRef>
-          <a:fontRef idx="minor">
-            <a:schemeClr val="lt1"/>
-          </a:fontRef>
-        </p:style>
-        <p:txBody>
-          <a:bodyPr rtlCol="0" anchor="ctr"/>
-          <a:lstStyle/>
-          <a:p>
-            <a:pPr algn="ctr"/>
-            <a:r>
-              <a:rPr lang="de-AT" dirty="0">
-                <a:solidFill>
-                  <a:schemeClr val="tx1"/>
-                </a:solidFill>
-              </a:rPr>
-              <a:t>Tasten</a:t>
-            </a:r>
-          </a:p>
-        </p:txBody>
-      </p:sp>
-      <p:sp>
-        <p:nvSpPr>
-          <p:cNvPr id="36" name="Rechteck 35"/>
-          <p:cNvSpPr/>
-          <p:nvPr/>
-        </p:nvSpPr>
-        <p:spPr>
-          <a:xfrm>
-            <a:off x="5331614" y="1627180"/>
-            <a:ext cx="1088136" cy="416950"/>
-          </a:xfrm>
-          <a:prstGeom prst="rect">
-            <a:avLst/>
-          </a:prstGeom>
-          <a:noFill/>
-          <a:ln>
-            <a:solidFill>
-              <a:schemeClr val="tx1"/>
-            </a:solidFill>
-          </a:ln>
-          <a:scene3d>
-            <a:camera prst="obliqueTopRight">
-              <a:rot lat="0" lon="0" rev="0"/>
-            </a:camera>
-            <a:lightRig rig="threePt" dir="t"/>
-          </a:scene3d>
-        </p:spPr>
-        <p:style>
-          <a:lnRef idx="2">
-            <a:schemeClr val="accent1">
-              <a:shade val="50000"/>
-            </a:schemeClr>
-          </a:lnRef>
-          <a:fillRef idx="1">
-            <a:schemeClr val="accent1"/>
-          </a:fillRef>
-          <a:effectRef idx="0">
-            <a:schemeClr val="accent1"/>
-          </a:effectRef>
-          <a:fontRef idx="minor">
-            <a:schemeClr val="lt1"/>
-          </a:fontRef>
-        </p:style>
-        <p:txBody>
-          <a:bodyPr rtlCol="0" anchor="ctr"/>
-          <a:lstStyle/>
-          <a:p>
-            <a:pPr algn="ctr"/>
-            <a:r>
-              <a:rPr lang="de-AT" dirty="0">
-                <a:solidFill>
-                  <a:schemeClr val="tx1"/>
-                </a:solidFill>
-              </a:rPr>
-              <a:t>Sprache</a:t>
-            </a:r>
-          </a:p>
-        </p:txBody>
-      </p:sp>
-      <p:sp>
-        <p:nvSpPr>
-          <p:cNvPr id="37" name="Rechteck 36"/>
-          <p:cNvSpPr/>
-          <p:nvPr/>
-        </p:nvSpPr>
-        <p:spPr>
-          <a:xfrm>
-            <a:off x="7584292" y="1614961"/>
-            <a:ext cx="987552" cy="416950"/>
-          </a:xfrm>
-          <a:prstGeom prst="rect">
-            <a:avLst/>
-          </a:prstGeom>
-          <a:noFill/>
-          <a:ln>
-            <a:solidFill>
-              <a:schemeClr val="tx1"/>
-            </a:solidFill>
-          </a:ln>
-          <a:scene3d>
-            <a:camera prst="obliqueTopRight">
-              <a:rot lat="0" lon="0" rev="0"/>
-            </a:camera>
-            <a:lightRig rig="threePt" dir="t"/>
-          </a:scene3d>
-        </p:spPr>
-        <p:style>
-          <a:lnRef idx="2">
-            <a:schemeClr val="accent1">
-              <a:shade val="50000"/>
-            </a:schemeClr>
-          </a:lnRef>
-          <a:fillRef idx="1">
-            <a:schemeClr val="accent1"/>
-          </a:fillRef>
-          <a:effectRef idx="0">
-            <a:schemeClr val="accent1"/>
-          </a:effectRef>
-          <a:fontRef idx="minor">
-            <a:schemeClr val="lt1"/>
-          </a:fontRef>
-        </p:style>
-        <p:txBody>
-          <a:bodyPr rtlCol="0" anchor="ctr"/>
-          <a:lstStyle/>
-          <a:p>
-            <a:pPr algn="ctr"/>
-            <a:r>
-              <a:rPr lang="de-AT" sz="1400">
-                <a:solidFill>
-                  <a:schemeClr val="tx1"/>
-                </a:solidFill>
-              </a:rPr>
-              <a:t>Lautstärke</a:t>
-            </a:r>
-            <a:endParaRPr lang="de-AT">
-              <a:solidFill>
-                <a:schemeClr val="tx1"/>
-              </a:solidFill>
-            </a:endParaRPr>
-          </a:p>
-        </p:txBody>
-      </p:sp>
-      <p:sp>
-        <p:nvSpPr>
-          <p:cNvPr id="38" name="Rechteck 37"/>
-          <p:cNvSpPr/>
-          <p:nvPr/>
-        </p:nvSpPr>
-        <p:spPr>
-          <a:xfrm>
-            <a:off x="3502152" y="6153911"/>
-            <a:ext cx="1455742" cy="416950"/>
-          </a:xfrm>
-          <a:prstGeom prst="rect">
-            <a:avLst/>
-          </a:prstGeom>
-          <a:noFill/>
-          <a:ln>
-            <a:solidFill>
-              <a:schemeClr val="tx1"/>
-            </a:solidFill>
-          </a:ln>
-          <a:scene3d>
-            <a:camera prst="obliqueTopRight">
-              <a:rot lat="0" lon="0" rev="0"/>
-            </a:camera>
-            <a:lightRig rig="threePt" dir="t"/>
-          </a:scene3d>
-        </p:spPr>
-        <p:style>
-          <a:lnRef idx="2">
-            <a:schemeClr val="accent1">
-              <a:shade val="50000"/>
-            </a:schemeClr>
-          </a:lnRef>
-          <a:fillRef idx="1">
-            <a:schemeClr val="accent1"/>
-          </a:fillRef>
-          <a:effectRef idx="0">
-            <a:schemeClr val="accent1"/>
-          </a:effectRef>
-          <a:fontRef idx="minor">
-            <a:schemeClr val="lt1"/>
-          </a:fontRef>
-        </p:style>
-        <p:txBody>
-          <a:bodyPr rtlCol="0" anchor="ctr"/>
-          <a:lstStyle/>
-          <a:p>
-            <a:pPr algn="ctr"/>
-            <a:r>
-              <a:rPr lang="de-AT" sz="1600" dirty="0">
-                <a:solidFill>
-                  <a:schemeClr val="tx1"/>
-                </a:solidFill>
-              </a:rPr>
-              <a:t>Frequenzinput</a:t>
-            </a:r>
-            <a:endParaRPr lang="de-AT" dirty="0">
-              <a:solidFill>
-                <a:schemeClr val="tx1"/>
-              </a:solidFill>
-            </a:endParaRPr>
+              <a:rPr lang="de-AT" dirty="0"/>
+              <a:t>Core</a:t>
+            </a:r>
           </a:p>
         </p:txBody>
       </p:sp>
       <p:cxnSp>
         <p:nvCxnSpPr>
-          <p:cNvPr id="4" name="Gerade Verbindung mit Pfeil 3"/>
+          <p:cNvPr id="42" name="Gerade Verbindung mit Pfeil 41">
+            <a:extLst>
+              <a:ext uri="{FF2B5EF4-FFF2-40B4-BE49-F238E27FC236}">
+                <a16:creationId xmlns:a16="http://schemas.microsoft.com/office/drawing/2014/main" id="{8CF8C9E7-DE2B-45FC-B2B3-3920F044179F}"/>
+              </a:ext>
+            </a:extLst>
+          </p:cNvPr>
           <p:cNvCxnSpPr>
             <a:cxnSpLocks/>
-            <a:stCxn id="6" idx="0"/>
           </p:cNvCxnSpPr>
           <p:nvPr/>
         </p:nvCxnSpPr>
         <p:spPr>
-          <a:xfrm flipV="1">
-            <a:off x="6210953" y="5474207"/>
-            <a:ext cx="1" cy="231649"/>
+          <a:xfrm flipH="1" flipV="1">
+            <a:off x="2290552" y="4009938"/>
+            <a:ext cx="1079024" cy="844764"/>
           </a:xfrm>
           <a:prstGeom prst="straightConnector1">
             <a:avLst/>
@@ -5766,17 +5566,23 @@
       </p:cxnSp>
       <p:cxnSp>
         <p:nvCxnSpPr>
-          <p:cNvPr id="39" name="Gerade Verbindung mit Pfeil 38"/>
+          <p:cNvPr id="43" name="Gerade Verbindung mit Pfeil 42">
+            <a:extLst>
+              <a:ext uri="{FF2B5EF4-FFF2-40B4-BE49-F238E27FC236}">
+                <a16:creationId xmlns:a16="http://schemas.microsoft.com/office/drawing/2014/main" id="{87BFB9F5-EF00-4F18-89EF-81D36D491DC5}"/>
+              </a:ext>
+            </a:extLst>
+          </p:cNvPr>
           <p:cNvCxnSpPr>
             <a:cxnSpLocks/>
-            <a:endCxn id="9" idx="2"/>
+            <a:endCxn id="13" idx="2"/>
           </p:cNvCxnSpPr>
           <p:nvPr/>
         </p:nvCxnSpPr>
         <p:spPr>
           <a:xfrm flipV="1">
-            <a:off x="6210953" y="4350545"/>
-            <a:ext cx="1" cy="212836"/>
+            <a:off x="2415272" y="1810395"/>
+            <a:ext cx="3675236" cy="1244576"/>
           </a:xfrm>
           <a:prstGeom prst="straightConnector1">
             <a:avLst/>
@@ -5801,81 +5607,307 @@
           </a:fontRef>
         </p:style>
       </p:cxnSp>
-      <p:cxnSp>
-        <p:nvCxnSpPr>
-          <p:cNvPr id="40" name="Gerade Verbindung mit Pfeil 39"/>
-          <p:cNvCxnSpPr>
-            <a:stCxn id="10" idx="0"/>
-            <a:endCxn id="11" idx="2"/>
-          </p:cNvCxnSpPr>
+      <p:sp>
+        <p:nvSpPr>
+          <p:cNvPr id="44" name="Rechteck 43">
+            <a:extLst>
+              <a:ext uri="{FF2B5EF4-FFF2-40B4-BE49-F238E27FC236}">
+                <a16:creationId xmlns:a16="http://schemas.microsoft.com/office/drawing/2014/main" id="{C9F27B6A-0DC6-48E8-A11B-4A9AE6A00C0D}"/>
+              </a:ext>
+            </a:extLst>
+          </p:cNvPr>
+          <p:cNvSpPr/>
           <p:nvPr/>
-        </p:nvCxnSpPr>
-        <p:spPr>
-          <a:xfrm flipV="1">
-            <a:off x="6210953" y="3215691"/>
-            <a:ext cx="1" cy="224028"/>
-          </a:xfrm>
-          <a:prstGeom prst="straightConnector1">
+        </p:nvSpPr>
+        <p:spPr>
+          <a:xfrm>
+            <a:off x="138345" y="3273277"/>
+            <a:ext cx="4597761" cy="896111"/>
+          </a:xfrm>
+          <a:prstGeom prst="rect">
             <a:avLst/>
           </a:prstGeom>
+          <a:solidFill>
+            <a:srgbClr val="FF0000"/>
+          </a:solidFill>
           <a:ln>
-            <a:headEnd type="triangle"/>
-            <a:tailEnd type="triangle"/>
+            <a:solidFill>
+              <a:schemeClr val="tx1"/>
+            </a:solidFill>
           </a:ln>
+          <a:scene3d>
+            <a:camera prst="obliqueTopRight">
+              <a:rot lat="0" lon="0" rev="0"/>
+            </a:camera>
+            <a:lightRig rig="threePt" dir="t"/>
+          </a:scene3d>
         </p:spPr>
         <p:style>
-          <a:lnRef idx="1">
-            <a:schemeClr val="dk1"/>
+          <a:lnRef idx="2">
+            <a:schemeClr val="accent1">
+              <a:shade val="50000"/>
+            </a:schemeClr>
           </a:lnRef>
-          <a:fillRef idx="0">
-            <a:schemeClr val="dk1"/>
+          <a:fillRef idx="1">
+            <a:schemeClr val="accent1"/>
           </a:fillRef>
           <a:effectRef idx="0">
-            <a:schemeClr val="dk1"/>
+            <a:schemeClr val="accent1"/>
           </a:effectRef>
           <a:fontRef idx="minor">
-            <a:schemeClr val="tx1"/>
+            <a:schemeClr val="lt1"/>
           </a:fontRef>
         </p:style>
-      </p:cxnSp>
-      <p:cxnSp>
-        <p:nvCxnSpPr>
-          <p:cNvPr id="45" name="Gerade Verbindung mit Pfeil 44"/>
-          <p:cNvCxnSpPr>
-            <a:cxnSpLocks/>
-            <a:stCxn id="12" idx="0"/>
-            <a:endCxn id="13" idx="2"/>
-          </p:cNvCxnSpPr>
+        <p:txBody>
+          <a:bodyPr rtlCol="0" anchor="ctr"/>
+          <a:lstStyle/>
+          <a:p>
+            <a:pPr algn="ctr"/>
+            <a:endParaRPr lang="de-AT"/>
+          </a:p>
+        </p:txBody>
+      </p:sp>
+      <p:sp>
+        <p:nvSpPr>
+          <p:cNvPr id="47" name="Textfeld 46">
+            <a:extLst>
+              <a:ext uri="{FF2B5EF4-FFF2-40B4-BE49-F238E27FC236}">
+                <a16:creationId xmlns:a16="http://schemas.microsoft.com/office/drawing/2014/main" id="{62B3DB67-E1E9-4247-8452-A65E59DFE5B9}"/>
+              </a:ext>
+            </a:extLst>
+          </p:cNvPr>
+          <p:cNvSpPr txBox="1"/>
           <p:nvPr/>
-        </p:nvCxnSpPr>
-        <p:spPr>
-          <a:xfrm flipV="1">
-            <a:off x="6210953" y="2103222"/>
-            <a:ext cx="905302" cy="240267"/>
-          </a:xfrm>
-          <a:prstGeom prst="straightConnector1">
+        </p:nvSpPr>
+        <p:spPr>
+          <a:xfrm>
+            <a:off x="1380128" y="3257306"/>
+            <a:ext cx="1740424" cy="369332"/>
+          </a:xfrm>
+          <a:prstGeom prst="rect">
             <a:avLst/>
           </a:prstGeom>
+          <a:noFill/>
+        </p:spPr>
+        <p:txBody>
+          <a:bodyPr wrap="square" rtlCol="0">
+            <a:spAutoFit/>
+          </a:bodyPr>
+          <a:lstStyle/>
+          <a:p>
+            <a:pPr algn="ctr"/>
+            <a:r>
+              <a:rPr lang="de-AT" dirty="0" err="1"/>
+              <a:t>Shared</a:t>
+            </a:r>
+            <a:endParaRPr lang="de-AT" dirty="0"/>
+          </a:p>
+        </p:txBody>
+      </p:sp>
+      <p:sp>
+        <p:nvSpPr>
+          <p:cNvPr id="54" name="Rechteck 53">
+            <a:extLst>
+              <a:ext uri="{FF2B5EF4-FFF2-40B4-BE49-F238E27FC236}">
+                <a16:creationId xmlns:a16="http://schemas.microsoft.com/office/drawing/2014/main" id="{193C4054-B29B-4FC5-B4DC-813039FFEF55}"/>
+              </a:ext>
+            </a:extLst>
+          </p:cNvPr>
+          <p:cNvSpPr/>
+          <p:nvPr/>
+        </p:nvSpPr>
+        <p:spPr>
+          <a:xfrm>
+            <a:off x="1759873" y="3753538"/>
+            <a:ext cx="1569491" cy="369332"/>
+          </a:xfrm>
+          <a:prstGeom prst="rect">
+            <a:avLst/>
+          </a:prstGeom>
+          <a:noFill/>
           <a:ln>
-            <a:headEnd type="triangle"/>
-            <a:tailEnd type="triangle"/>
+            <a:solidFill>
+              <a:schemeClr val="tx1"/>
+            </a:solidFill>
           </a:ln>
+          <a:scene3d>
+            <a:camera prst="obliqueTopRight">
+              <a:rot lat="0" lon="0" rev="0"/>
+            </a:camera>
+            <a:lightRig rig="threePt" dir="t"/>
+          </a:scene3d>
         </p:spPr>
         <p:style>
-          <a:lnRef idx="1">
-            <a:schemeClr val="dk1"/>
+          <a:lnRef idx="2">
+            <a:schemeClr val="accent1">
+              <a:shade val="50000"/>
+            </a:schemeClr>
           </a:lnRef>
-          <a:fillRef idx="0">
-            <a:schemeClr val="dk1"/>
+          <a:fillRef idx="1">
+            <a:schemeClr val="accent1"/>
           </a:fillRef>
           <a:effectRef idx="0">
-            <a:schemeClr val="dk1"/>
+            <a:schemeClr val="accent1"/>
           </a:effectRef>
           <a:fontRef idx="minor">
-            <a:schemeClr val="tx1"/>
+            <a:schemeClr val="lt1"/>
           </a:fontRef>
         </p:style>
-      </p:cxnSp>
+        <p:txBody>
+          <a:bodyPr rtlCol="0" anchor="ctr"/>
+          <a:lstStyle/>
+          <a:p>
+            <a:pPr algn="ctr"/>
+            <a:r>
+              <a:rPr lang="de-AT" dirty="0" err="1">
+                <a:solidFill>
+                  <a:schemeClr val="tx1"/>
+                </a:solidFill>
+              </a:rPr>
+              <a:t>ServiceLogger</a:t>
+            </a:r>
+            <a:endParaRPr lang="de-AT" dirty="0">
+              <a:solidFill>
+                <a:schemeClr val="tx1"/>
+              </a:solidFill>
+            </a:endParaRPr>
+          </a:p>
+        </p:txBody>
+      </p:sp>
+      <p:sp>
+        <p:nvSpPr>
+          <p:cNvPr id="55" name="Rechteck 54">
+            <a:extLst>
+              <a:ext uri="{FF2B5EF4-FFF2-40B4-BE49-F238E27FC236}">
+                <a16:creationId xmlns:a16="http://schemas.microsoft.com/office/drawing/2014/main" id="{C29F3362-ABB9-4316-B084-609F9110733E}"/>
+              </a:ext>
+            </a:extLst>
+          </p:cNvPr>
+          <p:cNvSpPr/>
+          <p:nvPr/>
+        </p:nvSpPr>
+        <p:spPr>
+          <a:xfrm>
+            <a:off x="3329365" y="3752131"/>
+            <a:ext cx="1367079" cy="413791"/>
+          </a:xfrm>
+          <a:prstGeom prst="rect">
+            <a:avLst/>
+          </a:prstGeom>
+          <a:noFill/>
+          <a:ln>
+            <a:solidFill>
+              <a:schemeClr val="tx1"/>
+            </a:solidFill>
+          </a:ln>
+          <a:scene3d>
+            <a:camera prst="obliqueTopRight">
+              <a:rot lat="0" lon="0" rev="0"/>
+            </a:camera>
+            <a:lightRig rig="threePt" dir="t"/>
+          </a:scene3d>
+        </p:spPr>
+        <p:style>
+          <a:lnRef idx="2">
+            <a:schemeClr val="accent1">
+              <a:shade val="50000"/>
+            </a:schemeClr>
+          </a:lnRef>
+          <a:fillRef idx="1">
+            <a:schemeClr val="accent1"/>
+          </a:fillRef>
+          <a:effectRef idx="0">
+            <a:schemeClr val="accent1"/>
+          </a:effectRef>
+          <a:fontRef idx="minor">
+            <a:schemeClr val="lt1"/>
+          </a:fontRef>
+        </p:style>
+        <p:txBody>
+          <a:bodyPr rtlCol="0" anchor="ctr"/>
+          <a:lstStyle/>
+          <a:p>
+            <a:pPr algn="ctr"/>
+            <a:r>
+              <a:rPr lang="de-AT" dirty="0" err="1">
+                <a:solidFill>
+                  <a:schemeClr val="tx1"/>
+                </a:solidFill>
+              </a:rPr>
+              <a:t>Debugwriter</a:t>
+            </a:r>
+            <a:endParaRPr lang="de-AT" dirty="0">
+              <a:solidFill>
+                <a:schemeClr val="tx1"/>
+              </a:solidFill>
+            </a:endParaRPr>
+          </a:p>
+        </p:txBody>
+      </p:sp>
+      <p:sp>
+        <p:nvSpPr>
+          <p:cNvPr id="17" name="Rechteck 16"/>
+          <p:cNvSpPr/>
+          <p:nvPr/>
+        </p:nvSpPr>
+        <p:spPr>
+          <a:xfrm>
+            <a:off x="208862" y="3753538"/>
+            <a:ext cx="1499240" cy="369332"/>
+          </a:xfrm>
+          <a:prstGeom prst="rect">
+            <a:avLst/>
+          </a:prstGeom>
+          <a:noFill/>
+          <a:ln>
+            <a:solidFill>
+              <a:schemeClr val="tx1"/>
+            </a:solidFill>
+          </a:ln>
+          <a:scene3d>
+            <a:camera prst="obliqueTopRight">
+              <a:rot lat="0" lon="0" rev="0"/>
+            </a:camera>
+            <a:lightRig rig="threePt" dir="t"/>
+          </a:scene3d>
+        </p:spPr>
+        <p:style>
+          <a:lnRef idx="2">
+            <a:schemeClr val="accent1">
+              <a:shade val="50000"/>
+            </a:schemeClr>
+          </a:lnRef>
+          <a:fillRef idx="1">
+            <a:schemeClr val="accent1"/>
+          </a:fillRef>
+          <a:effectRef idx="0">
+            <a:schemeClr val="accent1"/>
+          </a:effectRef>
+          <a:fontRef idx="minor">
+            <a:schemeClr val="lt1"/>
+          </a:fontRef>
+        </p:style>
+        <p:txBody>
+          <a:bodyPr rtlCol="0" anchor="ctr"/>
+          <a:lstStyle/>
+          <a:p>
+            <a:pPr algn="ctr"/>
+            <a:r>
+              <a:rPr lang="de-AT" dirty="0" err="1">
+                <a:solidFill>
+                  <a:schemeClr val="tx1"/>
+                </a:solidFill>
+              </a:rPr>
+              <a:t>Errorlogwriter</a:t>
+            </a:r>
+            <a:endParaRPr lang="de-AT" dirty="0">
+              <a:solidFill>
+                <a:schemeClr val="tx1"/>
+              </a:solidFill>
+            </a:endParaRPr>
+          </a:p>
+        </p:txBody>
+      </p:sp>
     </p:spTree>
     <p:extLst>
       <p:ext uri="{BB962C8B-B14F-4D97-AF65-F5344CB8AC3E}">
@@ -6151,21 +6183,6 @@
 </file>
 
 <file path=customXml/item1.xml><?xml version="1.0" encoding="utf-8"?>
-<?mso-contentType ?>
-<FormTemplates xmlns="http://schemas.microsoft.com/sharepoint/v3/contenttype/forms">
-  <Display>DocumentLibraryForm</Display>
-  <Edit>DocumentLibraryForm</Edit>
-  <New>DocumentLibraryForm</New>
-</FormTemplates>
-</file>
-
-<file path=customXml/item2.xml><?xml version="1.0" encoding="utf-8"?>
-<p:properties xmlns:p="http://schemas.microsoft.com/office/2006/metadata/properties" xmlns:xsi="http://www.w3.org/2001/XMLSchema-instance" xmlns:pc="http://schemas.microsoft.com/office/infopath/2007/PartnerControls">
-  <documentManagement/>
-</p:properties>
-</file>
-
-<file path=customXml/item3.xml><?xml version="1.0" encoding="utf-8"?>
 <ct:contentTypeSchema xmlns:ct="http://schemas.microsoft.com/office/2006/metadata/contentType" xmlns:ma="http://schemas.microsoft.com/office/2006/metadata/properties/metaAttributes" ct:_="" ma:_="" ma:contentTypeName="Dokument" ma:contentTypeID="0x010100BD1A01D473B8C648A1E705477819ABFB" ma:contentTypeVersion="10" ma:contentTypeDescription="Ein neues Dokument erstellen." ma:contentTypeScope="" ma:versionID="179221d42fa4dccb7e05a6eacdd6198e">
   <xsd:schema xmlns:xsd="http://www.w3.org/2001/XMLSchema" xmlns:xs="http://www.w3.org/2001/XMLSchema" xmlns:p="http://schemas.microsoft.com/office/2006/metadata/properties" xmlns:ns2="9e991fca-4a75-45cb-aee2-e729ab3f5b93" xmlns:ns3="2ff13655-6bed-4618-b9ac-eda26998c68b" targetNamespace="http://schemas.microsoft.com/office/2006/metadata/properties" ma:root="true" ma:fieldsID="3834a303cad49ddbe388e74350fe0dd8" ns2:_="" ns3:_="">
     <xsd:import namespace="9e991fca-4a75-45cb-aee2-e729ab3f5b93"/>
@@ -6368,24 +6385,22 @@
 </ct:contentTypeSchema>
 </file>
 
-<file path=customXml/itemProps1.xml><?xml version="1.0" encoding="utf-8"?>
-<ds:datastoreItem xmlns:ds="http://schemas.openxmlformats.org/officeDocument/2006/customXml" ds:itemID="{F31A3A50-46AA-4692-B7ED-37B4224A2932}">
-  <ds:schemaRefs>
-    <ds:schemaRef ds:uri="http://schemas.microsoft.com/sharepoint/v3/contenttype/forms"/>
-  </ds:schemaRefs>
-</ds:datastoreItem>
+<file path=customXml/item2.xml><?xml version="1.0" encoding="utf-8"?>
+<p:properties xmlns:p="http://schemas.microsoft.com/office/2006/metadata/properties" xmlns:xsi="http://www.w3.org/2001/XMLSchema-instance" xmlns:pc="http://schemas.microsoft.com/office/infopath/2007/PartnerControls">
+  <documentManagement/>
+</p:properties>
 </file>
 
-<file path=customXml/itemProps2.xml><?xml version="1.0" encoding="utf-8"?>
-<ds:datastoreItem xmlns:ds="http://schemas.openxmlformats.org/officeDocument/2006/customXml" ds:itemID="{14992DEE-D33F-460F-86B5-F08477E86EA0}">
-  <ds:schemaRefs>
-    <ds:schemaRef ds:uri="http://schemas.microsoft.com/office/2006/metadata/properties"/>
-    <ds:schemaRef ds:uri="http://schemas.microsoft.com/office/infopath/2007/PartnerControls"/>
-  </ds:schemaRefs>
-</ds:datastoreItem>
+<file path=customXml/item3.xml><?xml version="1.0" encoding="utf-8"?>
+<?mso-contentType ?>
+<FormTemplates xmlns="http://schemas.microsoft.com/sharepoint/v3/contenttype/forms">
+  <Display>DocumentLibraryForm</Display>
+  <Edit>DocumentLibraryForm</Edit>
+  <New>DocumentLibraryForm</New>
+</FormTemplates>
 </file>
 
-<file path=customXml/itemProps3.xml><?xml version="1.0" encoding="utf-8"?>
+<file path=customXml/itemProps1.xml><?xml version="1.0" encoding="utf-8"?>
 <ds:datastoreItem xmlns:ds="http://schemas.openxmlformats.org/officeDocument/2006/customXml" ds:itemID="{E016D33F-5558-4F08-A71D-98CBE7A5275E}">
   <ds:schemaRefs>
     <ds:schemaRef ds:uri="http://schemas.microsoft.com/office/2006/metadata/contentType"/>
@@ -6402,4 +6417,21 @@
     <ds:schemaRef ds:uri="http://schemas.microsoft.com/internal/obd"/>
   </ds:schemaRefs>
 </ds:datastoreItem>
+</file>
+
+<file path=customXml/itemProps2.xml><?xml version="1.0" encoding="utf-8"?>
+<ds:datastoreItem xmlns:ds="http://schemas.openxmlformats.org/officeDocument/2006/customXml" ds:itemID="{14992DEE-D33F-460F-86B5-F08477E86EA0}">
+  <ds:schemaRefs>
+    <ds:schemaRef ds:uri="http://schemas.microsoft.com/office/2006/metadata/properties"/>
+    <ds:schemaRef ds:uri="http://schemas.microsoft.com/office/infopath/2007/PartnerControls"/>
+  </ds:schemaRefs>
+</ds:datastoreItem>
+</file>
+
+<file path=customXml/itemProps3.xml><?xml version="1.0" encoding="utf-8"?>
+<ds:datastoreItem xmlns:ds="http://schemas.openxmlformats.org/officeDocument/2006/customXml" ds:itemID="{F31A3A50-46AA-4692-B7ED-37B4224A2932}">
+  <ds:schemaRefs>
+    <ds:schemaRef ds:uri="http://schemas.microsoft.com/sharepoint/v3/contenttype/forms"/>
+  </ds:schemaRefs>
+</ds:datastoreItem>
 </file>